--- a/Final4441_presentation.pptx
+++ b/Final4441_presentation.pptx
@@ -7,20 +7,21 @@
   <p:sldIdLst>
     <p:sldId id="256" r:id="rId2"/>
     <p:sldId id="257" r:id="rId3"/>
-    <p:sldId id="258" r:id="rId4"/>
-    <p:sldId id="259" r:id="rId5"/>
-    <p:sldId id="271" r:id="rId6"/>
-    <p:sldId id="265" r:id="rId7"/>
-    <p:sldId id="260" r:id="rId8"/>
-    <p:sldId id="261" r:id="rId9"/>
-    <p:sldId id="262" r:id="rId10"/>
-    <p:sldId id="263" r:id="rId11"/>
-    <p:sldId id="264" r:id="rId12"/>
-    <p:sldId id="266" r:id="rId13"/>
-    <p:sldId id="267" r:id="rId14"/>
-    <p:sldId id="268" r:id="rId15"/>
-    <p:sldId id="269" r:id="rId16"/>
-    <p:sldId id="270" r:id="rId17"/>
+    <p:sldId id="272" r:id="rId4"/>
+    <p:sldId id="258" r:id="rId5"/>
+    <p:sldId id="259" r:id="rId6"/>
+    <p:sldId id="271" r:id="rId7"/>
+    <p:sldId id="265" r:id="rId8"/>
+    <p:sldId id="260" r:id="rId9"/>
+    <p:sldId id="261" r:id="rId10"/>
+    <p:sldId id="262" r:id="rId11"/>
+    <p:sldId id="263" r:id="rId12"/>
+    <p:sldId id="264" r:id="rId13"/>
+    <p:sldId id="266" r:id="rId14"/>
+    <p:sldId id="267" r:id="rId15"/>
+    <p:sldId id="268" r:id="rId16"/>
+    <p:sldId id="269" r:id="rId17"/>
+    <p:sldId id="270" r:id="rId18"/>
   </p:sldIdLst>
   <p:sldSz cx="12192000" cy="6858000"/>
   <p:notesSz cx="6858000" cy="9144000"/>
@@ -119,6 +120,11 @@
       </a:defRPr>
     </a:lvl9pPr>
   </p:defaultTextStyle>
+  <p:extLst>
+    <p:ext uri="{EFAFB233-063F-42B5-8137-9DF3F51BA10A}">
+      <p15:sldGuideLst xmlns:p15="http://schemas.microsoft.com/office/powerpoint/2012/main"/>
+    </p:ext>
+  </p:extLst>
 </p:presentation>
 </file>
 
@@ -5097,6 +5103,313 @@
       </p:grpSpPr>
       <p:sp>
         <p:nvSpPr>
+          <p:cNvPr id="9" name="Rectangle 8">
+            <a:extLst>
+              <a:ext uri="{FF2B5EF4-FFF2-40B4-BE49-F238E27FC236}">
+                <a16:creationId xmlns:a16="http://schemas.microsoft.com/office/drawing/2014/main" id="{ED55A19D-297C-4231-AD1F-08EF9B4AA8F4}"/>
+              </a:ext>
+              <a:ext uri="{C183D7F6-B498-43B3-948B-1728B52AA6E4}">
+                <adec:decorative xmlns:adec="http://schemas.microsoft.com/office/drawing/2017/decorative" val="1"/>
+              </a:ext>
+            </a:extLst>
+          </p:cNvPr>
+          <p:cNvSpPr>
+            <a:spLocks noGrp="1" noRot="1" noChangeAspect="1" noMove="1" noResize="1" noEditPoints="1" noAdjustHandles="1" noChangeArrowheads="1" noChangeShapeType="1" noTextEdit="1"/>
+          </p:cNvSpPr>
+          <p:nvPr>
+            <p:extLst>
+              <p:ext uri="{386F3935-93C4-4BCD-93E2-E3B085C9AB24}">
+                <p16:designElem xmlns:p16="http://schemas.microsoft.com/office/powerpoint/2015/main" val="1"/>
+              </p:ext>
+            </p:extLst>
+          </p:nvPr>
+        </p:nvSpPr>
+        <p:spPr>
+          <a:xfrm>
+            <a:off x="0" y="0"/>
+            <a:ext cx="12192000" cy="6858000"/>
+          </a:xfrm>
+          <a:prstGeom prst="rect">
+            <a:avLst/>
+          </a:prstGeom>
+          <a:solidFill>
+            <a:schemeClr val="tx1"/>
+          </a:solidFill>
+          <a:ln>
+            <a:noFill/>
+          </a:ln>
+        </p:spPr>
+        <p:style>
+          <a:lnRef idx="2">
+            <a:schemeClr val="accent1">
+              <a:shade val="50000"/>
+            </a:schemeClr>
+          </a:lnRef>
+          <a:fillRef idx="1">
+            <a:schemeClr val="accent1"/>
+          </a:fillRef>
+          <a:effectRef idx="0">
+            <a:schemeClr val="accent1"/>
+          </a:effectRef>
+          <a:fontRef idx="minor">
+            <a:schemeClr val="lt1"/>
+          </a:fontRef>
+        </p:style>
+        <p:txBody>
+          <a:bodyPr rtlCol="0" anchor="ctr"/>
+          <a:lstStyle/>
+          <a:p>
+            <a:pPr algn="ctr"/>
+            <a:endParaRPr lang="en-US"/>
+          </a:p>
+        </p:txBody>
+      </p:sp>
+      <p:sp>
+        <p:nvSpPr>
+          <p:cNvPr id="11" name="Rectangle 10">
+            <a:extLst>
+              <a:ext uri="{FF2B5EF4-FFF2-40B4-BE49-F238E27FC236}">
+                <a16:creationId xmlns:a16="http://schemas.microsoft.com/office/drawing/2014/main" id="{EBAB6C56-3D38-4923-996E-BD474BBB91E9}"/>
+              </a:ext>
+              <a:ext uri="{C183D7F6-B498-43B3-948B-1728B52AA6E4}">
+                <adec:decorative xmlns:adec="http://schemas.microsoft.com/office/drawing/2017/decorative" val="1"/>
+              </a:ext>
+            </a:extLst>
+          </p:cNvPr>
+          <p:cNvSpPr>
+            <a:spLocks noGrp="1" noRot="1" noChangeAspect="1" noMove="1" noResize="1" noEditPoints="1" noAdjustHandles="1" noChangeArrowheads="1" noChangeShapeType="1" noTextEdit="1"/>
+          </p:cNvSpPr>
+          <p:nvPr>
+            <p:extLst>
+              <p:ext uri="{386F3935-93C4-4BCD-93E2-E3B085C9AB24}">
+                <p16:designElem xmlns:p16="http://schemas.microsoft.com/office/powerpoint/2015/main" val="1"/>
+              </p:ext>
+            </p:extLst>
+          </p:nvPr>
+        </p:nvSpPr>
+        <p:spPr>
+          <a:xfrm>
+            <a:off x="1244600" y="662169"/>
+            <a:ext cx="10289033" cy="5694181"/>
+          </a:xfrm>
+          <a:prstGeom prst="rect">
+            <a:avLst/>
+          </a:prstGeom>
+          <a:solidFill>
+            <a:srgbClr val="FFFFFF"/>
+          </a:solidFill>
+          <a:ln w="28575">
+            <a:solidFill>
+              <a:schemeClr val="tx1"/>
+            </a:solidFill>
+          </a:ln>
+        </p:spPr>
+        <p:style>
+          <a:lnRef idx="2">
+            <a:schemeClr val="accent1">
+              <a:shade val="50000"/>
+            </a:schemeClr>
+          </a:lnRef>
+          <a:fillRef idx="1">
+            <a:schemeClr val="accent1"/>
+          </a:fillRef>
+          <a:effectRef idx="0">
+            <a:schemeClr val="accent1"/>
+          </a:effectRef>
+          <a:fontRef idx="minor">
+            <a:schemeClr val="lt1"/>
+          </a:fontRef>
+        </p:style>
+        <p:txBody>
+          <a:bodyPr rtlCol="0" anchor="ctr"/>
+          <a:lstStyle/>
+          <a:p>
+            <a:pPr algn="ctr"/>
+            <a:endParaRPr lang="en-US"/>
+          </a:p>
+        </p:txBody>
+      </p:sp>
+      <p:sp>
+        <p:nvSpPr>
+          <p:cNvPr id="13" name="Rectangle 12">
+            <a:extLst>
+              <a:ext uri="{FF2B5EF4-FFF2-40B4-BE49-F238E27FC236}">
+                <a16:creationId xmlns:a16="http://schemas.microsoft.com/office/drawing/2014/main" id="{20CD21DB-082D-417D-A5AB-FC838AF9D944}"/>
+              </a:ext>
+              <a:ext uri="{C183D7F6-B498-43B3-948B-1728B52AA6E4}">
+                <adec:decorative xmlns:adec="http://schemas.microsoft.com/office/drawing/2017/decorative" val="1"/>
+              </a:ext>
+            </a:extLst>
+          </p:cNvPr>
+          <p:cNvSpPr>
+            <a:spLocks noGrp="1" noRot="1" noChangeAspect="1" noMove="1" noResize="1" noEditPoints="1" noAdjustHandles="1" noChangeArrowheads="1" noChangeShapeType="1" noTextEdit="1"/>
+          </p:cNvSpPr>
+          <p:nvPr>
+            <p:extLst>
+              <p:ext uri="{386F3935-93C4-4BCD-93E2-E3B085C9AB24}">
+                <p16:designElem xmlns:p16="http://schemas.microsoft.com/office/powerpoint/2015/main" val="1"/>
+              </p:ext>
+            </p:extLst>
+          </p:nvPr>
+        </p:nvSpPr>
+        <p:spPr>
+          <a:xfrm>
+            <a:off x="1244600" y="662169"/>
+            <a:ext cx="10289033" cy="5694181"/>
+          </a:xfrm>
+          <a:prstGeom prst="rect">
+            <a:avLst/>
+          </a:prstGeom>
+          <a:solidFill>
+            <a:schemeClr val="accent6">
+              <a:alpha val="30000"/>
+            </a:schemeClr>
+          </a:solidFill>
+          <a:ln w="28575">
+            <a:solidFill>
+              <a:schemeClr val="bg1"/>
+            </a:solidFill>
+          </a:ln>
+        </p:spPr>
+        <p:style>
+          <a:lnRef idx="2">
+            <a:schemeClr val="accent1">
+              <a:shade val="50000"/>
+            </a:schemeClr>
+          </a:lnRef>
+          <a:fillRef idx="1">
+            <a:schemeClr val="accent1"/>
+          </a:fillRef>
+          <a:effectRef idx="0">
+            <a:schemeClr val="accent1"/>
+          </a:effectRef>
+          <a:fontRef idx="minor">
+            <a:schemeClr val="lt1"/>
+          </a:fontRef>
+        </p:style>
+        <p:txBody>
+          <a:bodyPr rtlCol="0" anchor="ctr"/>
+          <a:lstStyle/>
+          <a:p>
+            <a:pPr algn="ctr"/>
+            <a:endParaRPr lang="en-US"/>
+          </a:p>
+        </p:txBody>
+      </p:sp>
+      <p:pic>
+        <p:nvPicPr>
+          <p:cNvPr id="4" name="Content Placeholder 3" descr="Table&#10;&#10;Description automatically generated with medium confidence">
+            <a:extLst>
+              <a:ext uri="{FF2B5EF4-FFF2-40B4-BE49-F238E27FC236}">
+                <a16:creationId xmlns:a16="http://schemas.microsoft.com/office/drawing/2014/main" id="{14395289-9ED6-1D4B-AF5E-366311ABDADA}"/>
+              </a:ext>
+            </a:extLst>
+          </p:cNvPr>
+          <p:cNvPicPr>
+            <a:picLocks noGrp="1" noChangeAspect="1"/>
+          </p:cNvPicPr>
+          <p:nvPr>
+            <p:ph idx="1"/>
+          </p:nvPr>
+        </p:nvPicPr>
+        <p:blipFill rotWithShape="1">
+          <a:blip r:embed="rId2"/>
+          <a:srcRect r="-1" b="8906"/>
+          <a:stretch/>
+        </p:blipFill>
+        <p:spPr>
+          <a:xfrm>
+            <a:off x="838200" y="233807"/>
+            <a:ext cx="10468866" cy="5888737"/>
+          </a:xfrm>
+          <a:prstGeom prst="rect">
+            <a:avLst/>
+          </a:prstGeom>
+          <a:ln w="28575">
+            <a:solidFill>
+              <a:schemeClr val="bg1"/>
+            </a:solidFill>
+          </a:ln>
+        </p:spPr>
+      </p:pic>
+      <p:sp>
+        <p:nvSpPr>
+          <p:cNvPr id="5" name="TextBox 4">
+            <a:extLst>
+              <a:ext uri="{FF2B5EF4-FFF2-40B4-BE49-F238E27FC236}">
+                <a16:creationId xmlns:a16="http://schemas.microsoft.com/office/drawing/2014/main" id="{C0984B1E-6913-6042-B0C1-59667AD055FC}"/>
+              </a:ext>
+            </a:extLst>
+          </p:cNvPr>
+          <p:cNvSpPr txBox="1"/>
+          <p:nvPr/>
+        </p:nvSpPr>
+        <p:spPr>
+          <a:xfrm>
+            <a:off x="4093813" y="5408450"/>
+            <a:ext cx="3957639" cy="830997"/>
+          </a:xfrm>
+          <a:prstGeom prst="rect">
+            <a:avLst/>
+          </a:prstGeom>
+          <a:noFill/>
+        </p:spPr>
+        <p:txBody>
+          <a:bodyPr wrap="square" rtlCol="0">
+            <a:spAutoFit/>
+          </a:bodyPr>
+          <a:lstStyle/>
+          <a:p>
+            <a:r>
+              <a:rPr lang="en-US" sz="2400" dirty="0"/>
+              <a:t>p-value = 0.0009995</a:t>
+            </a:r>
+          </a:p>
+          <a:p>
+            <a:endParaRPr lang="en-US" sz="2400" dirty="0"/>
+          </a:p>
+        </p:txBody>
+      </p:sp>
+    </p:spTree>
+    <p:extLst>
+      <p:ext uri="{BB962C8B-B14F-4D97-AF65-F5344CB8AC3E}">
+        <p14:creationId xmlns:p14="http://schemas.microsoft.com/office/powerpoint/2010/main" val="1435021056"/>
+      </p:ext>
+    </p:extLst>
+  </p:cSld>
+  <p:clrMapOvr>
+    <a:masterClrMapping/>
+  </p:clrMapOvr>
+</p:sld>
+</file>
+
+<file path=ppt/slides/slide11.xml><?xml version="1.0" encoding="utf-8"?>
+<p:sld xmlns:a="http://schemas.openxmlformats.org/drawingml/2006/main" xmlns:r="http://schemas.openxmlformats.org/officeDocument/2006/relationships" xmlns:p="http://schemas.openxmlformats.org/presentationml/2006/main">
+  <p:cSld>
+    <p:bg>
+      <p:bgPr>
+        <a:solidFill>
+          <a:schemeClr val="bg1"/>
+        </a:solidFill>
+        <a:effectLst/>
+      </p:bgPr>
+    </p:bg>
+    <p:spTree>
+      <p:nvGrpSpPr>
+        <p:cNvPr id="1" name=""/>
+        <p:cNvGrpSpPr/>
+        <p:nvPr/>
+      </p:nvGrpSpPr>
+      <p:grpSpPr>
+        <a:xfrm>
+          <a:off x="0" y="0"/>
+          <a:ext cx="0" cy="0"/>
+          <a:chOff x="0" y="0"/>
+          <a:chExt cx="0" cy="0"/>
+        </a:xfrm>
+      </p:grpSpPr>
+      <p:sp>
+        <p:nvSpPr>
           <p:cNvPr id="10" name="Rectangle 9">
             <a:extLst>
               <a:ext uri="{FF2B5EF4-FFF2-40B4-BE49-F238E27FC236}">
@@ -5884,7 +6197,7 @@
 </p:sld>
 </file>
 
-<file path=ppt/slides/slide11.xml><?xml version="1.0" encoding="utf-8"?>
+<file path=ppt/slides/slide12.xml><?xml version="1.0" encoding="utf-8"?>
 <p:sld xmlns:a="http://schemas.openxmlformats.org/drawingml/2006/main" xmlns:r="http://schemas.openxmlformats.org/officeDocument/2006/relationships" xmlns:p="http://schemas.openxmlformats.org/presentationml/2006/main">
   <p:cSld>
     <p:bg>
@@ -6188,7 +6501,7 @@
 </p:sld>
 </file>
 
-<file path=ppt/slides/slide12.xml><?xml version="1.0" encoding="utf-8"?>
+<file path=ppt/slides/slide13.xml><?xml version="1.0" encoding="utf-8"?>
 <p:sld xmlns:a="http://schemas.openxmlformats.org/drawingml/2006/main" xmlns:r="http://schemas.openxmlformats.org/officeDocument/2006/relationships" xmlns:p="http://schemas.openxmlformats.org/presentationml/2006/main">
   <p:cSld>
     <p:bg>
@@ -25273,7 +25586,7 @@
 </p:sld>
 </file>
 
-<file path=ppt/slides/slide13.xml><?xml version="1.0" encoding="utf-8"?>
+<file path=ppt/slides/slide14.xml><?xml version="1.0" encoding="utf-8"?>
 <p:sld xmlns:a="http://schemas.openxmlformats.org/drawingml/2006/main" xmlns:r="http://schemas.openxmlformats.org/officeDocument/2006/relationships" xmlns:p="http://schemas.openxmlformats.org/presentationml/2006/main">
   <p:cSld>
     <p:bg>
@@ -25542,7 +25855,7 @@
 </p:sld>
 </file>
 
-<file path=ppt/slides/slide14.xml><?xml version="1.0" encoding="utf-8"?>
+<file path=ppt/slides/slide15.xml><?xml version="1.0" encoding="utf-8"?>
 <p:sld xmlns:a="http://schemas.openxmlformats.org/drawingml/2006/main" xmlns:r="http://schemas.openxmlformats.org/officeDocument/2006/relationships" xmlns:p="http://schemas.openxmlformats.org/presentationml/2006/main">
   <p:cSld>
     <p:bg>
@@ -27945,7 +28258,7 @@
 </p:sld>
 </file>
 
-<file path=ppt/slides/slide15.xml><?xml version="1.0" encoding="utf-8"?>
+<file path=ppt/slides/slide16.xml><?xml version="1.0" encoding="utf-8"?>
 <p:sld xmlns:a="http://schemas.openxmlformats.org/drawingml/2006/main" xmlns:r="http://schemas.openxmlformats.org/officeDocument/2006/relationships" xmlns:p="http://schemas.openxmlformats.org/presentationml/2006/main">
   <p:cSld>
     <p:bg>
@@ -28214,7 +28527,7 @@
 </p:sld>
 </file>
 
-<file path=ppt/slides/slide16.xml><?xml version="1.0" encoding="utf-8"?>
+<file path=ppt/slides/slide17.xml><?xml version="1.0" encoding="utf-8"?>
 <p:sld xmlns:a="http://schemas.openxmlformats.org/drawingml/2006/main" xmlns:r="http://schemas.openxmlformats.org/officeDocument/2006/relationships" xmlns:p="http://schemas.openxmlformats.org/presentationml/2006/main">
   <p:cSld>
     <p:bg>
@@ -31091,12 +31404,12 @@
               <a:buNone/>
             </a:pPr>
             <a:r>
-              <a:rPr lang="en-US">
+              <a:rPr lang="en-US" dirty="0">
                 <a:solidFill>
                   <a:schemeClr val="bg1"/>
                 </a:solidFill>
               </a:rPr>
-              <a:t>Assess the impact various factors such as age, race, mental illness and gender have on the distribution of the population of people in the United States who have been fatally shot by the police. </a:t>
+              <a:t>Assess the significance various factors such as age, race, mental illness and gender have on the population of people in the United States who have been fatally shot by the police. </a:t>
             </a:r>
           </a:p>
         </p:txBody>
@@ -31585,6 +31898,109 @@
 </file>
 
 <file path=ppt/slides/slide3.xml><?xml version="1.0" encoding="utf-8"?>
+<p:sld xmlns:a="http://schemas.openxmlformats.org/drawingml/2006/main" xmlns:r="http://schemas.openxmlformats.org/officeDocument/2006/relationships" xmlns:p="http://schemas.openxmlformats.org/presentationml/2006/main">
+  <p:cSld>
+    <p:spTree>
+      <p:nvGrpSpPr>
+        <p:cNvPr id="1" name=""/>
+        <p:cNvGrpSpPr/>
+        <p:nvPr/>
+      </p:nvGrpSpPr>
+      <p:grpSpPr>
+        <a:xfrm>
+          <a:off x="0" y="0"/>
+          <a:ext cx="0" cy="0"/>
+          <a:chOff x="0" y="0"/>
+          <a:chExt cx="0" cy="0"/>
+        </a:xfrm>
+      </p:grpSpPr>
+      <p:sp>
+        <p:nvSpPr>
+          <p:cNvPr id="2" name="Title 1">
+            <a:extLst>
+              <a:ext uri="{FF2B5EF4-FFF2-40B4-BE49-F238E27FC236}">
+                <a16:creationId xmlns:a16="http://schemas.microsoft.com/office/drawing/2014/main" id="{598147E7-1BE6-114A-BFBC-EC532288D7EF}"/>
+              </a:ext>
+            </a:extLst>
+          </p:cNvPr>
+          <p:cNvSpPr>
+            <a:spLocks noGrp="1"/>
+          </p:cNvSpPr>
+          <p:nvPr>
+            <p:ph type="title"/>
+          </p:nvPr>
+        </p:nvSpPr>
+        <p:spPr/>
+        <p:txBody>
+          <a:bodyPr/>
+          <a:lstStyle/>
+          <a:p>
+            <a:r>
+              <a:rPr lang="en-US" dirty="0"/>
+              <a:t>The Data</a:t>
+            </a:r>
+          </a:p>
+        </p:txBody>
+      </p:sp>
+      <p:sp>
+        <p:nvSpPr>
+          <p:cNvPr id="3" name="Content Placeholder 2">
+            <a:extLst>
+              <a:ext uri="{FF2B5EF4-FFF2-40B4-BE49-F238E27FC236}">
+                <a16:creationId xmlns:a16="http://schemas.microsoft.com/office/drawing/2014/main" id="{B516AC42-775D-C54B-ADA6-3267CB3D82FB}"/>
+              </a:ext>
+            </a:extLst>
+          </p:cNvPr>
+          <p:cNvSpPr>
+            <a:spLocks noGrp="1"/>
+          </p:cNvSpPr>
+          <p:nvPr>
+            <p:ph idx="1"/>
+          </p:nvPr>
+        </p:nvSpPr>
+        <p:spPr/>
+        <p:txBody>
+          <a:bodyPr/>
+          <a:lstStyle/>
+          <a:p>
+            <a:r>
+              <a:rPr lang="en-US" dirty="0"/>
+              <a:t>Fatal police shootings in the US from 2015-2021</a:t>
+            </a:r>
+          </a:p>
+          <a:p>
+            <a:r>
+              <a:rPr lang="en-US" dirty="0"/>
+              <a:t>Collected by the Washington Post</a:t>
+            </a:r>
+          </a:p>
+          <a:p>
+            <a:r>
+              <a:rPr lang="en-US" dirty="0"/>
+              <a:t>Details about each individual: race, gender, age, location, signs of mental illness, </a:t>
+            </a:r>
+            <a:r>
+              <a:rPr lang="en-US" dirty="0" err="1"/>
+              <a:t>etc</a:t>
+            </a:r>
+            <a:endParaRPr lang="en-US" dirty="0"/>
+          </a:p>
+        </p:txBody>
+      </p:sp>
+    </p:spTree>
+    <p:extLst>
+      <p:ext uri="{BB962C8B-B14F-4D97-AF65-F5344CB8AC3E}">
+        <p14:creationId xmlns:p14="http://schemas.microsoft.com/office/powerpoint/2010/main" val="3926628187"/>
+      </p:ext>
+    </p:extLst>
+  </p:cSld>
+  <p:clrMapOvr>
+    <a:masterClrMapping/>
+  </p:clrMapOvr>
+</p:sld>
+</file>
+
+<file path=ppt/slides/slide4.xml><?xml version="1.0" encoding="utf-8"?>
 <p:sld xmlns:a="http://schemas.openxmlformats.org/drawingml/2006/main" xmlns:r="http://schemas.openxmlformats.org/officeDocument/2006/relationships" xmlns:p="http://schemas.openxmlformats.org/presentationml/2006/main">
   <p:cSld>
     <p:bg>
@@ -33321,7 +33737,7 @@
 </p:sld>
 </file>
 
-<file path=ppt/slides/slide4.xml><?xml version="1.0" encoding="utf-8"?>
+<file path=ppt/slides/slide5.xml><?xml version="1.0" encoding="utf-8"?>
 <p:sld xmlns:a="http://schemas.openxmlformats.org/drawingml/2006/main" xmlns:r="http://schemas.openxmlformats.org/officeDocument/2006/relationships" xmlns:p="http://schemas.openxmlformats.org/presentationml/2006/main">
   <p:cSld>
     <p:bg>
@@ -35561,7 +35977,7 @@
 </p:sld>
 </file>
 
-<file path=ppt/slides/slide5.xml><?xml version="1.0" encoding="utf-8"?>
+<file path=ppt/slides/slide6.xml><?xml version="1.0" encoding="utf-8"?>
 <p:sld xmlns:a="http://schemas.openxmlformats.org/drawingml/2006/main" xmlns:r="http://schemas.openxmlformats.org/officeDocument/2006/relationships" xmlns:p="http://schemas.openxmlformats.org/presentationml/2006/main">
   <p:cSld>
     <p:spTree>
@@ -35644,7 +36060,7 @@
 </p:sld>
 </file>
 
-<file path=ppt/slides/slide6.xml><?xml version="1.0" encoding="utf-8"?>
+<file path=ppt/slides/slide7.xml><?xml version="1.0" encoding="utf-8"?>
 <p:sld xmlns:a="http://schemas.openxmlformats.org/drawingml/2006/main" xmlns:r="http://schemas.openxmlformats.org/officeDocument/2006/relationships" xmlns:p="http://schemas.openxmlformats.org/presentationml/2006/main">
   <p:cSld>
     <p:bg>
@@ -38057,7 +38473,7 @@
 </p:sld>
 </file>
 
-<file path=ppt/slides/slide7.xml><?xml version="1.0" encoding="utf-8"?>
+<file path=ppt/slides/slide8.xml><?xml version="1.0" encoding="utf-8"?>
 <p:sld xmlns:a="http://schemas.openxmlformats.org/drawingml/2006/main" xmlns:r="http://schemas.openxmlformats.org/officeDocument/2006/relationships" xmlns:p="http://schemas.openxmlformats.org/presentationml/2006/main">
   <p:cSld>
     <p:bg>
@@ -38361,7 +38777,7 @@
 </p:sld>
 </file>
 
-<file path=ppt/slides/slide8.xml><?xml version="1.0" encoding="utf-8"?>
+<file path=ppt/slides/slide9.xml><?xml version="1.0" encoding="utf-8"?>
 <p:sld xmlns:a="http://schemas.openxmlformats.org/drawingml/2006/main" xmlns:r="http://schemas.openxmlformats.org/officeDocument/2006/relationships" xmlns:p="http://schemas.openxmlformats.org/presentationml/2006/main">
   <p:cSld>
     <p:bg>
@@ -39175,313 +39591,6 @@
 </p:sld>
 </file>
 
-<file path=ppt/slides/slide9.xml><?xml version="1.0" encoding="utf-8"?>
-<p:sld xmlns:a="http://schemas.openxmlformats.org/drawingml/2006/main" xmlns:r="http://schemas.openxmlformats.org/officeDocument/2006/relationships" xmlns:p="http://schemas.openxmlformats.org/presentationml/2006/main">
-  <p:cSld>
-    <p:bg>
-      <p:bgPr>
-        <a:solidFill>
-          <a:schemeClr val="bg1"/>
-        </a:solidFill>
-        <a:effectLst/>
-      </p:bgPr>
-    </p:bg>
-    <p:spTree>
-      <p:nvGrpSpPr>
-        <p:cNvPr id="1" name=""/>
-        <p:cNvGrpSpPr/>
-        <p:nvPr/>
-      </p:nvGrpSpPr>
-      <p:grpSpPr>
-        <a:xfrm>
-          <a:off x="0" y="0"/>
-          <a:ext cx="0" cy="0"/>
-          <a:chOff x="0" y="0"/>
-          <a:chExt cx="0" cy="0"/>
-        </a:xfrm>
-      </p:grpSpPr>
-      <p:sp>
-        <p:nvSpPr>
-          <p:cNvPr id="9" name="Rectangle 8">
-            <a:extLst>
-              <a:ext uri="{FF2B5EF4-FFF2-40B4-BE49-F238E27FC236}">
-                <a16:creationId xmlns:a16="http://schemas.microsoft.com/office/drawing/2014/main" id="{ED55A19D-297C-4231-AD1F-08EF9B4AA8F4}"/>
-              </a:ext>
-              <a:ext uri="{C183D7F6-B498-43B3-948B-1728B52AA6E4}">
-                <adec:decorative xmlns:adec="http://schemas.microsoft.com/office/drawing/2017/decorative" val="1"/>
-              </a:ext>
-            </a:extLst>
-          </p:cNvPr>
-          <p:cNvSpPr>
-            <a:spLocks noGrp="1" noRot="1" noChangeAspect="1" noMove="1" noResize="1" noEditPoints="1" noAdjustHandles="1" noChangeArrowheads="1" noChangeShapeType="1" noTextEdit="1"/>
-          </p:cNvSpPr>
-          <p:nvPr>
-            <p:extLst>
-              <p:ext uri="{386F3935-93C4-4BCD-93E2-E3B085C9AB24}">
-                <p16:designElem xmlns:p16="http://schemas.microsoft.com/office/powerpoint/2015/main" val="1"/>
-              </p:ext>
-            </p:extLst>
-          </p:nvPr>
-        </p:nvSpPr>
-        <p:spPr>
-          <a:xfrm>
-            <a:off x="0" y="0"/>
-            <a:ext cx="12192000" cy="6858000"/>
-          </a:xfrm>
-          <a:prstGeom prst="rect">
-            <a:avLst/>
-          </a:prstGeom>
-          <a:solidFill>
-            <a:schemeClr val="tx1"/>
-          </a:solidFill>
-          <a:ln>
-            <a:noFill/>
-          </a:ln>
-        </p:spPr>
-        <p:style>
-          <a:lnRef idx="2">
-            <a:schemeClr val="accent1">
-              <a:shade val="50000"/>
-            </a:schemeClr>
-          </a:lnRef>
-          <a:fillRef idx="1">
-            <a:schemeClr val="accent1"/>
-          </a:fillRef>
-          <a:effectRef idx="0">
-            <a:schemeClr val="accent1"/>
-          </a:effectRef>
-          <a:fontRef idx="minor">
-            <a:schemeClr val="lt1"/>
-          </a:fontRef>
-        </p:style>
-        <p:txBody>
-          <a:bodyPr rtlCol="0" anchor="ctr"/>
-          <a:lstStyle/>
-          <a:p>
-            <a:pPr algn="ctr"/>
-            <a:endParaRPr lang="en-US"/>
-          </a:p>
-        </p:txBody>
-      </p:sp>
-      <p:sp>
-        <p:nvSpPr>
-          <p:cNvPr id="11" name="Rectangle 10">
-            <a:extLst>
-              <a:ext uri="{FF2B5EF4-FFF2-40B4-BE49-F238E27FC236}">
-                <a16:creationId xmlns:a16="http://schemas.microsoft.com/office/drawing/2014/main" id="{EBAB6C56-3D38-4923-996E-BD474BBB91E9}"/>
-              </a:ext>
-              <a:ext uri="{C183D7F6-B498-43B3-948B-1728B52AA6E4}">
-                <adec:decorative xmlns:adec="http://schemas.microsoft.com/office/drawing/2017/decorative" val="1"/>
-              </a:ext>
-            </a:extLst>
-          </p:cNvPr>
-          <p:cNvSpPr>
-            <a:spLocks noGrp="1" noRot="1" noChangeAspect="1" noMove="1" noResize="1" noEditPoints="1" noAdjustHandles="1" noChangeArrowheads="1" noChangeShapeType="1" noTextEdit="1"/>
-          </p:cNvSpPr>
-          <p:nvPr>
-            <p:extLst>
-              <p:ext uri="{386F3935-93C4-4BCD-93E2-E3B085C9AB24}">
-                <p16:designElem xmlns:p16="http://schemas.microsoft.com/office/powerpoint/2015/main" val="1"/>
-              </p:ext>
-            </p:extLst>
-          </p:nvPr>
-        </p:nvSpPr>
-        <p:spPr>
-          <a:xfrm>
-            <a:off x="1244600" y="662169"/>
-            <a:ext cx="10289033" cy="5694181"/>
-          </a:xfrm>
-          <a:prstGeom prst="rect">
-            <a:avLst/>
-          </a:prstGeom>
-          <a:solidFill>
-            <a:srgbClr val="FFFFFF"/>
-          </a:solidFill>
-          <a:ln w="28575">
-            <a:solidFill>
-              <a:schemeClr val="tx1"/>
-            </a:solidFill>
-          </a:ln>
-        </p:spPr>
-        <p:style>
-          <a:lnRef idx="2">
-            <a:schemeClr val="accent1">
-              <a:shade val="50000"/>
-            </a:schemeClr>
-          </a:lnRef>
-          <a:fillRef idx="1">
-            <a:schemeClr val="accent1"/>
-          </a:fillRef>
-          <a:effectRef idx="0">
-            <a:schemeClr val="accent1"/>
-          </a:effectRef>
-          <a:fontRef idx="minor">
-            <a:schemeClr val="lt1"/>
-          </a:fontRef>
-        </p:style>
-        <p:txBody>
-          <a:bodyPr rtlCol="0" anchor="ctr"/>
-          <a:lstStyle/>
-          <a:p>
-            <a:pPr algn="ctr"/>
-            <a:endParaRPr lang="en-US"/>
-          </a:p>
-        </p:txBody>
-      </p:sp>
-      <p:sp>
-        <p:nvSpPr>
-          <p:cNvPr id="13" name="Rectangle 12">
-            <a:extLst>
-              <a:ext uri="{FF2B5EF4-FFF2-40B4-BE49-F238E27FC236}">
-                <a16:creationId xmlns:a16="http://schemas.microsoft.com/office/drawing/2014/main" id="{20CD21DB-082D-417D-A5AB-FC838AF9D944}"/>
-              </a:ext>
-              <a:ext uri="{C183D7F6-B498-43B3-948B-1728B52AA6E4}">
-                <adec:decorative xmlns:adec="http://schemas.microsoft.com/office/drawing/2017/decorative" val="1"/>
-              </a:ext>
-            </a:extLst>
-          </p:cNvPr>
-          <p:cNvSpPr>
-            <a:spLocks noGrp="1" noRot="1" noChangeAspect="1" noMove="1" noResize="1" noEditPoints="1" noAdjustHandles="1" noChangeArrowheads="1" noChangeShapeType="1" noTextEdit="1"/>
-          </p:cNvSpPr>
-          <p:nvPr>
-            <p:extLst>
-              <p:ext uri="{386F3935-93C4-4BCD-93E2-E3B085C9AB24}">
-                <p16:designElem xmlns:p16="http://schemas.microsoft.com/office/powerpoint/2015/main" val="1"/>
-              </p:ext>
-            </p:extLst>
-          </p:nvPr>
-        </p:nvSpPr>
-        <p:spPr>
-          <a:xfrm>
-            <a:off x="1244600" y="662169"/>
-            <a:ext cx="10289033" cy="5694181"/>
-          </a:xfrm>
-          <a:prstGeom prst="rect">
-            <a:avLst/>
-          </a:prstGeom>
-          <a:solidFill>
-            <a:schemeClr val="accent6">
-              <a:alpha val="30000"/>
-            </a:schemeClr>
-          </a:solidFill>
-          <a:ln w="28575">
-            <a:solidFill>
-              <a:schemeClr val="bg1"/>
-            </a:solidFill>
-          </a:ln>
-        </p:spPr>
-        <p:style>
-          <a:lnRef idx="2">
-            <a:schemeClr val="accent1">
-              <a:shade val="50000"/>
-            </a:schemeClr>
-          </a:lnRef>
-          <a:fillRef idx="1">
-            <a:schemeClr val="accent1"/>
-          </a:fillRef>
-          <a:effectRef idx="0">
-            <a:schemeClr val="accent1"/>
-          </a:effectRef>
-          <a:fontRef idx="minor">
-            <a:schemeClr val="lt1"/>
-          </a:fontRef>
-        </p:style>
-        <p:txBody>
-          <a:bodyPr rtlCol="0" anchor="ctr"/>
-          <a:lstStyle/>
-          <a:p>
-            <a:pPr algn="ctr"/>
-            <a:endParaRPr lang="en-US"/>
-          </a:p>
-        </p:txBody>
-      </p:sp>
-      <p:pic>
-        <p:nvPicPr>
-          <p:cNvPr id="4" name="Content Placeholder 3" descr="Table&#10;&#10;Description automatically generated with medium confidence">
-            <a:extLst>
-              <a:ext uri="{FF2B5EF4-FFF2-40B4-BE49-F238E27FC236}">
-                <a16:creationId xmlns:a16="http://schemas.microsoft.com/office/drawing/2014/main" id="{14395289-9ED6-1D4B-AF5E-366311ABDADA}"/>
-              </a:ext>
-            </a:extLst>
-          </p:cNvPr>
-          <p:cNvPicPr>
-            <a:picLocks noGrp="1" noChangeAspect="1"/>
-          </p:cNvPicPr>
-          <p:nvPr>
-            <p:ph idx="1"/>
-          </p:nvPr>
-        </p:nvPicPr>
-        <p:blipFill rotWithShape="1">
-          <a:blip r:embed="rId2"/>
-          <a:srcRect r="-1" b="8906"/>
-          <a:stretch/>
-        </p:blipFill>
-        <p:spPr>
-          <a:xfrm>
-            <a:off x="838200" y="233807"/>
-            <a:ext cx="10468866" cy="5888737"/>
-          </a:xfrm>
-          <a:prstGeom prst="rect">
-            <a:avLst/>
-          </a:prstGeom>
-          <a:ln w="28575">
-            <a:solidFill>
-              <a:schemeClr val="bg1"/>
-            </a:solidFill>
-          </a:ln>
-        </p:spPr>
-      </p:pic>
-      <p:sp>
-        <p:nvSpPr>
-          <p:cNvPr id="5" name="TextBox 4">
-            <a:extLst>
-              <a:ext uri="{FF2B5EF4-FFF2-40B4-BE49-F238E27FC236}">
-                <a16:creationId xmlns:a16="http://schemas.microsoft.com/office/drawing/2014/main" id="{C0984B1E-6913-6042-B0C1-59667AD055FC}"/>
-              </a:ext>
-            </a:extLst>
-          </p:cNvPr>
-          <p:cNvSpPr txBox="1"/>
-          <p:nvPr/>
-        </p:nvSpPr>
-        <p:spPr>
-          <a:xfrm>
-            <a:off x="4093813" y="5408450"/>
-            <a:ext cx="3957639" cy="830997"/>
-          </a:xfrm>
-          <a:prstGeom prst="rect">
-            <a:avLst/>
-          </a:prstGeom>
-          <a:noFill/>
-        </p:spPr>
-        <p:txBody>
-          <a:bodyPr wrap="square" rtlCol="0">
-            <a:spAutoFit/>
-          </a:bodyPr>
-          <a:lstStyle/>
-          <a:p>
-            <a:r>
-              <a:rPr lang="en-US" sz="2400" dirty="0"/>
-              <a:t>p-value = 0.0009995</a:t>
-            </a:r>
-          </a:p>
-          <a:p>
-            <a:endParaRPr lang="en-US" sz="2400" dirty="0"/>
-          </a:p>
-        </p:txBody>
-      </p:sp>
-    </p:spTree>
-    <p:extLst>
-      <p:ext uri="{BB962C8B-B14F-4D97-AF65-F5344CB8AC3E}">
-        <p14:creationId xmlns:p14="http://schemas.microsoft.com/office/powerpoint/2010/main" val="1435021056"/>
-      </p:ext>
-    </p:extLst>
-  </p:cSld>
-  <p:clrMapOvr>
-    <a:masterClrMapping/>
-  </p:clrMapOvr>
-</p:sld>
-</file>
-
 <file path=ppt/theme/theme1.xml><?xml version="1.0" encoding="utf-8"?>
 <a:theme xmlns:a="http://schemas.openxmlformats.org/drawingml/2006/main" name="Office Theme">
   <a:themeElements>

--- a/Final4441_presentation.pptx
+++ b/Final4441_presentation.pptx
@@ -275,7 +275,7 @@
           <a:p>
             <a:fld id="{3C31A08B-2C92-2949-9A49-318791DCE70A}" type="datetimeFigureOut">
               <a:rPr lang="en-US" smtClean="0"/>
-              <a:t>8/10/21</a:t>
+              <a:t>8/11/21</a:t>
             </a:fld>
             <a:endParaRPr lang="en-US"/>
           </a:p>
@@ -473,7 +473,7 @@
           <a:p>
             <a:fld id="{3C31A08B-2C92-2949-9A49-318791DCE70A}" type="datetimeFigureOut">
               <a:rPr lang="en-US" smtClean="0"/>
-              <a:t>8/10/21</a:t>
+              <a:t>8/11/21</a:t>
             </a:fld>
             <a:endParaRPr lang="en-US"/>
           </a:p>
@@ -681,7 +681,7 @@
           <a:p>
             <a:fld id="{3C31A08B-2C92-2949-9A49-318791DCE70A}" type="datetimeFigureOut">
               <a:rPr lang="en-US" smtClean="0"/>
-              <a:t>8/10/21</a:t>
+              <a:t>8/11/21</a:t>
             </a:fld>
             <a:endParaRPr lang="en-US"/>
           </a:p>
@@ -879,7 +879,7 @@
           <a:p>
             <a:fld id="{3C31A08B-2C92-2949-9A49-318791DCE70A}" type="datetimeFigureOut">
               <a:rPr lang="en-US" smtClean="0"/>
-              <a:t>8/10/21</a:t>
+              <a:t>8/11/21</a:t>
             </a:fld>
             <a:endParaRPr lang="en-US"/>
           </a:p>
@@ -1154,7 +1154,7 @@
           <a:p>
             <a:fld id="{3C31A08B-2C92-2949-9A49-318791DCE70A}" type="datetimeFigureOut">
               <a:rPr lang="en-US" smtClean="0"/>
-              <a:t>8/10/21</a:t>
+              <a:t>8/11/21</a:t>
             </a:fld>
             <a:endParaRPr lang="en-US"/>
           </a:p>
@@ -1419,7 +1419,7 @@
           <a:p>
             <a:fld id="{3C31A08B-2C92-2949-9A49-318791DCE70A}" type="datetimeFigureOut">
               <a:rPr lang="en-US" smtClean="0"/>
-              <a:t>8/10/21</a:t>
+              <a:t>8/11/21</a:t>
             </a:fld>
             <a:endParaRPr lang="en-US"/>
           </a:p>
@@ -1831,7 +1831,7 @@
           <a:p>
             <a:fld id="{3C31A08B-2C92-2949-9A49-318791DCE70A}" type="datetimeFigureOut">
               <a:rPr lang="en-US" smtClean="0"/>
-              <a:t>8/10/21</a:t>
+              <a:t>8/11/21</a:t>
             </a:fld>
             <a:endParaRPr lang="en-US"/>
           </a:p>
@@ -1972,7 +1972,7 @@
           <a:p>
             <a:fld id="{3C31A08B-2C92-2949-9A49-318791DCE70A}" type="datetimeFigureOut">
               <a:rPr lang="en-US" smtClean="0"/>
-              <a:t>8/10/21</a:t>
+              <a:t>8/11/21</a:t>
             </a:fld>
             <a:endParaRPr lang="en-US"/>
           </a:p>
@@ -2085,7 +2085,7 @@
           <a:p>
             <a:fld id="{3C31A08B-2C92-2949-9A49-318791DCE70A}" type="datetimeFigureOut">
               <a:rPr lang="en-US" smtClean="0"/>
-              <a:t>8/10/21</a:t>
+              <a:t>8/11/21</a:t>
             </a:fld>
             <a:endParaRPr lang="en-US"/>
           </a:p>
@@ -2396,7 +2396,7 @@
           <a:p>
             <a:fld id="{3C31A08B-2C92-2949-9A49-318791DCE70A}" type="datetimeFigureOut">
               <a:rPr lang="en-US" smtClean="0"/>
-              <a:t>8/10/21</a:t>
+              <a:t>8/11/21</a:t>
             </a:fld>
             <a:endParaRPr lang="en-US"/>
           </a:p>
@@ -2684,7 +2684,7 @@
           <a:p>
             <a:fld id="{3C31A08B-2C92-2949-9A49-318791DCE70A}" type="datetimeFigureOut">
               <a:rPr lang="en-US" smtClean="0"/>
-              <a:t>8/10/21</a:t>
+              <a:t>8/11/21</a:t>
             </a:fld>
             <a:endParaRPr lang="en-US"/>
           </a:p>
@@ -2925,7 +2925,7 @@
           <a:p>
             <a:fld id="{3C31A08B-2C92-2949-9A49-318791DCE70A}" type="datetimeFigureOut">
               <a:rPr lang="en-US" smtClean="0"/>
-              <a:t>8/10/21</a:t>
+              <a:t>8/11/21</a:t>
             </a:fld>
             <a:endParaRPr lang="en-US"/>
           </a:p>
@@ -31409,7 +31409,7 @@
                   <a:schemeClr val="bg1"/>
                 </a:solidFill>
               </a:rPr>
-              <a:t>Assess the significance various factors such as age, race, mental illness and gender have on the population of people in the United States who have been fatally shot by the police. </a:t>
+              <a:t>Assess the significance various factors such as age, race, mental illness and gender have on the population of civilians in the United States who have been fatally shot by the police. </a:t>
             </a:r>
           </a:p>
         </p:txBody>
@@ -31930,7 +31930,12 @@
             <p:ph type="title"/>
           </p:nvPr>
         </p:nvSpPr>
-        <p:spPr/>
+        <p:spPr>
+          <a:xfrm>
+            <a:off x="388307" y="227338"/>
+            <a:ext cx="10515600" cy="1325563"/>
+          </a:xfrm>
+        </p:spPr>
         <p:txBody>
           <a:bodyPr/>
           <a:lstStyle/>
@@ -31958,20 +31963,90 @@
             <p:ph idx="1"/>
           </p:nvPr>
         </p:nvSpPr>
-        <p:spPr/>
+        <p:spPr>
+          <a:xfrm>
+            <a:off x="388307" y="1390389"/>
+            <a:ext cx="10965493" cy="4786574"/>
+          </a:xfrm>
+        </p:spPr>
         <p:txBody>
-          <a:bodyPr/>
+          <a:bodyPr>
+            <a:normAutofit fontScale="92500" lnSpcReduction="10000"/>
+          </a:bodyPr>
           <a:lstStyle/>
           <a:p>
             <a:r>
               <a:rPr lang="en-US" dirty="0"/>
-              <a:t>Fatal police shootings in the US from 2015-2021</a:t>
+              <a:t>Every fatal police shootings in the US from 2015-2021</a:t>
+            </a:r>
+          </a:p>
+          <a:p>
+            <a:pPr lvl="1"/>
+            <a:r>
+              <a:rPr lang="en-US" dirty="0"/>
+              <a:t>Definition of fatal shooting: A police officer in the line of duty who shoots and kills a civilian</a:t>
+            </a:r>
+          </a:p>
+          <a:p>
+            <a:pPr lvl="1"/>
+            <a:r>
+              <a:rPr lang="en-US" dirty="0"/>
+              <a:t>Not included: </a:t>
+            </a:r>
+          </a:p>
+          <a:p>
+            <a:pPr lvl="2"/>
+            <a:r>
+              <a:rPr lang="en-US" dirty="0"/>
+              <a:t>deaths of people in police custody</a:t>
+            </a:r>
+          </a:p>
+          <a:p>
+            <a:pPr lvl="2"/>
+            <a:r>
+              <a:rPr lang="en-US" dirty="0"/>
+              <a:t>fatal shootings by off-duty officers</a:t>
+            </a:r>
+          </a:p>
+          <a:p>
+            <a:pPr lvl="2"/>
+            <a:r>
+              <a:rPr lang="en-US" dirty="0"/>
+              <a:t>non-shooting deaths</a:t>
             </a:r>
           </a:p>
           <a:p>
             <a:r>
               <a:rPr lang="en-US" dirty="0"/>
-              <a:t>Collected by the Washington Post</a:t>
+              <a:t>Collected by the Washington Post via:</a:t>
+            </a:r>
+          </a:p>
+          <a:p>
+            <a:pPr lvl="1"/>
+            <a:r>
+              <a:rPr lang="en-US" dirty="0"/>
+              <a:t>local news reports</a:t>
+            </a:r>
+          </a:p>
+          <a:p>
+            <a:pPr lvl="1"/>
+            <a:r>
+              <a:rPr lang="en-US" dirty="0"/>
+              <a:t>law enforcement websites</a:t>
+            </a:r>
+          </a:p>
+          <a:p>
+            <a:pPr lvl="1"/>
+            <a:r>
+              <a:rPr lang="en-US" dirty="0"/>
+              <a:t>social media</a:t>
+            </a:r>
+          </a:p>
+          <a:p>
+            <a:pPr lvl="1"/>
+            <a:r>
+              <a:rPr lang="en-US" dirty="0"/>
+              <a:t>independent databases such as Killed by Police and Fatal Encounters</a:t>
             </a:r>
           </a:p>
           <a:p>
